--- a/Calendario2023/presentaciones/15_POO_Encapsulamiento.pptx
+++ b/Calendario2023/presentaciones/15_POO_Encapsulamiento.pptx
@@ -215,7 +215,7 @@
           <a:p>
             <a:fld id="{DDE721D5-655F-45D2-B717-3C4CD78C8568}" type="datetimeFigureOut">
               <a:rPr lang="es-MX" smtClean="0"/>
-              <a:t>27/08/2022</a:t>
+              <a:t>03/03/2023</a:t>
             </a:fld>
             <a:endParaRPr lang="es-MX" dirty="0"/>
           </a:p>
@@ -664,7 +664,7 @@
           <a:p>
             <a:fld id="{B3F3E716-CACC-4490-AD07-F24B6A68DE47}" type="datetimeFigureOut">
               <a:rPr lang="es-MX" smtClean="0"/>
-              <a:t>27/08/2022</a:t>
+              <a:t>03/03/2023</a:t>
             </a:fld>
             <a:endParaRPr lang="es-MX" dirty="0"/>
           </a:p>
@@ -834,7 +834,7 @@
           <a:p>
             <a:fld id="{B3F3E716-CACC-4490-AD07-F24B6A68DE47}" type="datetimeFigureOut">
               <a:rPr lang="es-MX" smtClean="0"/>
-              <a:t>27/08/2022</a:t>
+              <a:t>03/03/2023</a:t>
             </a:fld>
             <a:endParaRPr lang="es-MX" dirty="0"/>
           </a:p>
@@ -1014,7 +1014,7 @@
           <a:p>
             <a:fld id="{B3F3E716-CACC-4490-AD07-F24B6A68DE47}" type="datetimeFigureOut">
               <a:rPr lang="es-MX" smtClean="0"/>
-              <a:t>27/08/2022</a:t>
+              <a:t>03/03/2023</a:t>
             </a:fld>
             <a:endParaRPr lang="es-MX" dirty="0"/>
           </a:p>
@@ -1167,7 +1167,7 @@
           <a:p>
             <a:fld id="{1D8BD707-D9CF-40AE-B4C6-C98DA3205C09}" type="datetimeFigureOut">
               <a:rPr lang="en-US" smtClean="0"/>
-              <a:t>8/27/2022</a:t>
+              <a:t>3/3/2023</a:t>
             </a:fld>
             <a:endParaRPr lang="en-US" dirty="0"/>
           </a:p>
@@ -1624,7 +1624,7 @@
           <a:p>
             <a:fld id="{B3F3E716-CACC-4490-AD07-F24B6A68DE47}" type="datetimeFigureOut">
               <a:rPr lang="es-MX" smtClean="0"/>
-              <a:t>27/08/2022</a:t>
+              <a:t>03/03/2023</a:t>
             </a:fld>
             <a:endParaRPr lang="es-MX" dirty="0"/>
           </a:p>
@@ -1870,7 +1870,7 @@
           <a:p>
             <a:fld id="{B3F3E716-CACC-4490-AD07-F24B6A68DE47}" type="datetimeFigureOut">
               <a:rPr lang="es-MX" smtClean="0"/>
-              <a:t>27/08/2022</a:t>
+              <a:t>03/03/2023</a:t>
             </a:fld>
             <a:endParaRPr lang="es-MX" dirty="0"/>
           </a:p>
@@ -2158,7 +2158,7 @@
           <a:p>
             <a:fld id="{B3F3E716-CACC-4490-AD07-F24B6A68DE47}" type="datetimeFigureOut">
               <a:rPr lang="es-MX" smtClean="0"/>
-              <a:t>27/08/2022</a:t>
+              <a:t>03/03/2023</a:t>
             </a:fld>
             <a:endParaRPr lang="es-MX" dirty="0"/>
           </a:p>
@@ -2580,7 +2580,7 @@
           <a:p>
             <a:fld id="{B3F3E716-CACC-4490-AD07-F24B6A68DE47}" type="datetimeFigureOut">
               <a:rPr lang="es-MX" smtClean="0"/>
-              <a:t>27/08/2022</a:t>
+              <a:t>03/03/2023</a:t>
             </a:fld>
             <a:endParaRPr lang="es-MX" dirty="0"/>
           </a:p>
@@ -2698,7 +2698,7 @@
           <a:p>
             <a:fld id="{B3F3E716-CACC-4490-AD07-F24B6A68DE47}" type="datetimeFigureOut">
               <a:rPr lang="es-MX" smtClean="0"/>
-              <a:t>27/08/2022</a:t>
+              <a:t>03/03/2023</a:t>
             </a:fld>
             <a:endParaRPr lang="es-MX" dirty="0"/>
           </a:p>
@@ -2793,7 +2793,7 @@
           <a:p>
             <a:fld id="{B3F3E716-CACC-4490-AD07-F24B6A68DE47}" type="datetimeFigureOut">
               <a:rPr lang="es-MX" smtClean="0"/>
-              <a:t>27/08/2022</a:t>
+              <a:t>03/03/2023</a:t>
             </a:fld>
             <a:endParaRPr lang="es-MX" dirty="0"/>
           </a:p>
@@ -3070,7 +3070,7 @@
           <a:p>
             <a:fld id="{B3F3E716-CACC-4490-AD07-F24B6A68DE47}" type="datetimeFigureOut">
               <a:rPr lang="es-MX" smtClean="0"/>
-              <a:t>27/08/2022</a:t>
+              <a:t>03/03/2023</a:t>
             </a:fld>
             <a:endParaRPr lang="es-MX" dirty="0"/>
           </a:p>
@@ -3323,7 +3323,7 @@
           <a:p>
             <a:fld id="{B3F3E716-CACC-4490-AD07-F24B6A68DE47}" type="datetimeFigureOut">
               <a:rPr lang="es-MX" smtClean="0"/>
-              <a:t>27/08/2022</a:t>
+              <a:t>03/03/2023</a:t>
             </a:fld>
             <a:endParaRPr lang="es-MX" dirty="0"/>
           </a:p>
@@ -3536,7 +3536,7 @@
           <a:p>
             <a:fld id="{B3F3E716-CACC-4490-AD07-F24B6A68DE47}" type="datetimeFigureOut">
               <a:rPr lang="es-MX" smtClean="0"/>
-              <a:t>27/08/2022</a:t>
+              <a:t>03/03/2023</a:t>
             </a:fld>
             <a:endParaRPr lang="es-MX" dirty="0"/>
           </a:p>
@@ -4156,7 +4156,7 @@
         </p:nvSpPr>
         <p:spPr>
           <a:xfrm>
-            <a:off x="925512" y="1238250"/>
+            <a:off x="926596" y="1484784"/>
             <a:ext cx="7390903" cy="1470670"/>
           </a:xfrm>
           <a:prstGeom prst="rect">
@@ -4314,25 +4314,6 @@
               </a:spcBef>
               <a:buNone/>
             </a:pPr>
-            <a:endParaRPr lang="es-ES_tradnl" altLang="es-MX" sz="1400" dirty="0">
-              <a:solidFill>
-                <a:schemeClr val="bg2">
-                  <a:lumMod val="10000"/>
-                </a:schemeClr>
-              </a:solidFill>
-              <a:latin typeface="Dom Casual" charset="0"/>
-            </a:endParaRPr>
-          </a:p>
-          <a:p>
-            <a:pPr marL="0" indent="0" algn="just">
-              <a:lnSpc>
-                <a:spcPct val="150000"/>
-              </a:lnSpc>
-              <a:spcBef>
-                <a:spcPct val="0"/>
-              </a:spcBef>
-              <a:buNone/>
-            </a:pPr>
             <a:r>
               <a:rPr lang="es-ES" altLang="es-MX" sz="1600" dirty="0">
                 <a:solidFill>
@@ -4386,7 +4367,7 @@
                 </a:solidFill>
                 <a:latin typeface="Dom Casual" charset="0"/>
               </a:rPr>
-              <a:t>, le permite que los </a:t>
+              <a:t> y permite que los </a:t>
             </a:r>
             <a:r>
               <a:rPr lang="es-ES" altLang="es-MX" sz="1600" b="1" dirty="0">
@@ -5936,7 +5917,7 @@
                   </a:schemeClr>
                 </a:solidFill>
               </a:rPr>
-              <a:t>Los atributos de un objeto pueden ocultarse para que no sean accedidos desde fuera de la definición de una clase. Para ello, es necesario nombrar los atributos con un prefijo de doble subrayado: </a:t>
+              <a:t>Los atributos de clase pueden ocultarse para que no sean accedidos desde fuera de la definición de una clase. Para ello, es necesario nombrar los atributos con un prefijo de doble subrayado: </a:t>
             </a:r>
             <a:r>
               <a:rPr lang="es-ES" sz="1600" b="1" dirty="0">
